--- a/Day 6/Slides/5. Using PreparedStatements/using-prepared-statements-slides.pptx
+++ b/Day 6/Slides/5. Using PreparedStatements/using-prepared-statements-slides.pptx
@@ -5,25 +5,25 @@
     <p:sldMasterId id="2147483648" r:id="rId1"/>
   </p:sldMasterIdLst>
   <p:notesMasterIdLst>
-    <p:notesMasterId r:id="rId19"/>
+    <p:notesMasterId r:id="rId18"/>
   </p:notesMasterIdLst>
   <p:sldIdLst>
-    <p:sldId id="256" r:id="rId3"/>
-    <p:sldId id="257" r:id="rId4"/>
-    <p:sldId id="258" r:id="rId5"/>
-    <p:sldId id="259" r:id="rId6"/>
-    <p:sldId id="260" r:id="rId7"/>
-    <p:sldId id="261" r:id="rId8"/>
-    <p:sldId id="262" r:id="rId9"/>
-    <p:sldId id="263" r:id="rId10"/>
-    <p:sldId id="264" r:id="rId11"/>
-    <p:sldId id="265" r:id="rId12"/>
-    <p:sldId id="266" r:id="rId13"/>
-    <p:sldId id="267" r:id="rId14"/>
-    <p:sldId id="271" r:id="rId15"/>
-    <p:sldId id="268" r:id="rId16"/>
-    <p:sldId id="269" r:id="rId17"/>
-    <p:sldId id="270" r:id="rId18"/>
+    <p:sldId id="256" r:id="rId2"/>
+    <p:sldId id="257" r:id="rId3"/>
+    <p:sldId id="258" r:id="rId4"/>
+    <p:sldId id="259" r:id="rId5"/>
+    <p:sldId id="260" r:id="rId6"/>
+    <p:sldId id="261" r:id="rId7"/>
+    <p:sldId id="262" r:id="rId8"/>
+    <p:sldId id="263" r:id="rId9"/>
+    <p:sldId id="264" r:id="rId10"/>
+    <p:sldId id="265" r:id="rId11"/>
+    <p:sldId id="266" r:id="rId12"/>
+    <p:sldId id="267" r:id="rId13"/>
+    <p:sldId id="271" r:id="rId14"/>
+    <p:sldId id="268" r:id="rId15"/>
+    <p:sldId id="269" r:id="rId16"/>
+    <p:sldId id="270" r:id="rId17"/>
   </p:sldIdLst>
   <p:sldSz cx="18288000" cy="10287000"/>
   <p:notesSz cx="18288000" cy="10287000"/>
@@ -119,6 +119,22 @@
       </a:defRPr>
     </a:lvl9pPr>
   </p:defaultTextStyle>
+  <p:extLst>
+    <p:ext uri="{EFAFB233-063F-42B5-8137-9DF3F51BA10A}">
+      <p15:sldGuideLst xmlns:p15="http://schemas.microsoft.com/office/powerpoint/2012/main">
+        <p15:guide id="1" orient="horz" pos="2880">
+          <p15:clr>
+            <a:srgbClr val="A4A3A4"/>
+          </p15:clr>
+        </p15:guide>
+        <p15:guide id="2" pos="2160">
+          <p15:clr>
+            <a:srgbClr val="A4A3A4"/>
+          </p15:clr>
+        </p15:guide>
+      </p15:sldGuideLst>
+    </p:ext>
+  </p:extLst>
 </p:presentation>
 </file>
 
@@ -204,6 +220,7 @@
           <a:p>
             <a:fld id="{3EFD42F7-718C-4B98-AAEC-167E6DDD60A7}" type="datetimeFigureOut">
               <a:rPr lang="en-US" smtClean="0"/>
+              <a:t>8/10/2023</a:t>
             </a:fld>
             <a:endParaRPr lang="en-US"/>
           </a:p>
@@ -267,42 +284,37 @@
           <a:p>
             <a:pPr lvl="0"/>
             <a:r>
-              <a:rPr lang="en-US" smtClean="0"/>
+              <a:rPr lang="en-US"/>
               <a:t>Click to edit Master text styles</a:t>
             </a:r>
-            <a:endParaRPr lang="en-US" smtClean="0"/>
           </a:p>
           <a:p>
             <a:pPr lvl="1"/>
             <a:r>
-              <a:rPr lang="en-US" smtClean="0"/>
+              <a:rPr lang="en-US"/>
               <a:t>Second level</a:t>
             </a:r>
-            <a:endParaRPr lang="en-US" smtClean="0"/>
           </a:p>
           <a:p>
             <a:pPr lvl="2"/>
             <a:r>
-              <a:rPr lang="en-US" smtClean="0"/>
+              <a:rPr lang="en-US"/>
               <a:t>Third level</a:t>
             </a:r>
-            <a:endParaRPr lang="en-US" smtClean="0"/>
           </a:p>
           <a:p>
             <a:pPr lvl="3"/>
             <a:r>
-              <a:rPr lang="en-US" smtClean="0"/>
+              <a:rPr lang="en-US"/>
               <a:t>Fourth level</a:t>
             </a:r>
-            <a:endParaRPr lang="en-US" smtClean="0"/>
           </a:p>
           <a:p>
             <a:pPr lvl="4"/>
             <a:r>
-              <a:rPr lang="en-US" smtClean="0"/>
+              <a:rPr lang="en-US"/>
               <a:t>Fifth level</a:t>
             </a:r>
-            <a:endParaRPr lang="en-US"/>
           </a:p>
         </p:txBody>
       </p:sp>
@@ -366,6 +378,7 @@
           <a:p>
             <a:fld id="{21B2AA4F-B828-4D7C-AFD3-893933DAFCB4}" type="slidenum">
               <a:rPr lang="en-US" smtClean="0"/>
+              <a:t>‹#›</a:t>
             </a:fld>
             <a:endParaRPr lang="en-US"/>
           </a:p>
@@ -518,7 +531,9 @@
               </a:defRPr>
             </a:lvl1pPr>
           </a:lstStyle>
-          <a:p/>
+          <a:p>
+            <a:endParaRPr/>
+          </a:p>
         </p:txBody>
       </p:sp>
       <p:sp>
@@ -549,7 +564,9 @@
               <a:defRPr/>
             </a:lvl1pPr>
           </a:lstStyle>
-          <a:p/>
+          <a:p>
+            <a:endParaRPr/>
+          </a:p>
         </p:txBody>
       </p:sp>
       <p:sp>
@@ -576,7 +593,9 @@
               </a:defRPr>
             </a:lvl1pPr>
           </a:lstStyle>
-          <a:p/>
+          <a:p>
+            <a:endParaRPr/>
+          </a:p>
         </p:txBody>
       </p:sp>
       <p:sp>
@@ -606,6 +625,7 @@
           <a:p>
             <a:fld id="{1D8BD707-D9CF-40AE-B4C6-C98DA3205C09}" type="datetimeFigureOut">
               <a:rPr lang="en-US"/>
+              <a:t>8/10/2023</a:t>
             </a:fld>
             <a:endParaRPr lang="en-US"/>
           </a:p>
@@ -638,6 +658,7 @@
           <a:p>
             <a:fld id="{B6F15528-21DE-4FAA-801E-634DDDAF4B2B}" type="slidenum">
               <a:rPr/>
+              <a:t>‹#›</a:t>
             </a:fld>
             <a:endParaRPr/>
           </a:p>
@@ -693,7 +714,9 @@
               </a:defRPr>
             </a:lvl1pPr>
           </a:lstStyle>
-          <a:p/>
+          <a:p>
+            <a:endParaRPr/>
+          </a:p>
         </p:txBody>
       </p:sp>
       <p:sp>
@@ -718,7 +741,9 @@
               </a:defRPr>
             </a:lvl1pPr>
           </a:lstStyle>
-          <a:p/>
+          <a:p>
+            <a:endParaRPr/>
+          </a:p>
         </p:txBody>
       </p:sp>
       <p:sp>
@@ -745,7 +770,9 @@
               </a:defRPr>
             </a:lvl1pPr>
           </a:lstStyle>
-          <a:p/>
+          <a:p>
+            <a:endParaRPr/>
+          </a:p>
         </p:txBody>
       </p:sp>
       <p:sp>
@@ -775,6 +802,7 @@
           <a:p>
             <a:fld id="{1D8BD707-D9CF-40AE-B4C6-C98DA3205C09}" type="datetimeFigureOut">
               <a:rPr lang="en-US"/>
+              <a:t>8/10/2023</a:t>
             </a:fld>
             <a:endParaRPr lang="en-US"/>
           </a:p>
@@ -807,6 +835,7 @@
           <a:p>
             <a:fld id="{B6F15528-21DE-4FAA-801E-634DDDAF4B2B}" type="slidenum">
               <a:rPr/>
+              <a:t>‹#›</a:t>
             </a:fld>
             <a:endParaRPr/>
           </a:p>
@@ -822,7 +851,7 @@
 </file>
 
 <file path=ppt/slideLayouts/slideLayout3.xml><?xml version="1.0" encoding="utf-8"?>
-<p:sldLayout xmlns:a="http://schemas.openxmlformats.org/drawingml/2006/main" xmlns:r="http://schemas.openxmlformats.org/officeDocument/2006/relationships" xmlns:p="http://schemas.openxmlformats.org/presentationml/2006/main" type="obj" preserve="1" showMasterSp="0">
+<p:sldLayout xmlns:a="http://schemas.openxmlformats.org/drawingml/2006/main" xmlns:r="http://schemas.openxmlformats.org/officeDocument/2006/relationships" xmlns:p="http://schemas.openxmlformats.org/presentationml/2006/main" showMasterSp="0" type="obj" preserve="1">
   <p:cSld name="Two Content">
     <p:bg>
       <p:bgPr>
@@ -891,7 +920,9 @@
         <p:txBody>
           <a:bodyPr wrap="square" lIns="0" tIns="0" rIns="0" bIns="0" rtlCol="0"/>
           <a:lstStyle/>
-          <a:p/>
+          <a:p>
+            <a:endParaRPr/>
+          </a:p>
         </p:txBody>
       </p:sp>
       <p:pic>
@@ -961,7 +992,9 @@
         <p:txBody>
           <a:bodyPr wrap="square" lIns="0" tIns="0" rIns="0" bIns="0" rtlCol="0"/>
           <a:lstStyle/>
-          <a:p/>
+          <a:p>
+            <a:endParaRPr/>
+          </a:p>
         </p:txBody>
       </p:sp>
       <p:sp>
@@ -988,7 +1021,9 @@
               </a:defRPr>
             </a:lvl1pPr>
           </a:lstStyle>
-          <a:p/>
+          <a:p>
+            <a:endParaRPr/>
+          </a:p>
         </p:txBody>
       </p:sp>
       <p:sp>
@@ -1019,7 +1054,9 @@
               <a:defRPr/>
             </a:lvl1pPr>
           </a:lstStyle>
-          <a:p/>
+          <a:p>
+            <a:endParaRPr/>
+          </a:p>
         </p:txBody>
       </p:sp>
       <p:sp>
@@ -1050,7 +1087,9 @@
               <a:defRPr/>
             </a:lvl1pPr>
           </a:lstStyle>
-          <a:p/>
+          <a:p>
+            <a:endParaRPr/>
+          </a:p>
         </p:txBody>
       </p:sp>
       <p:sp>
@@ -1077,7 +1116,9 @@
               </a:defRPr>
             </a:lvl1pPr>
           </a:lstStyle>
-          <a:p/>
+          <a:p>
+            <a:endParaRPr/>
+          </a:p>
         </p:txBody>
       </p:sp>
       <p:sp>
@@ -1107,6 +1148,7 @@
           <a:p>
             <a:fld id="{1D8BD707-D9CF-40AE-B4C6-C98DA3205C09}" type="datetimeFigureOut">
               <a:rPr lang="en-US"/>
+              <a:t>8/10/2023</a:t>
             </a:fld>
             <a:endParaRPr lang="en-US"/>
           </a:p>
@@ -1139,6 +1181,7 @@
           <a:p>
             <a:fld id="{B6F15528-21DE-4FAA-801E-634DDDAF4B2B}" type="slidenum">
               <a:rPr/>
+              <a:t>‹#›</a:t>
             </a:fld>
             <a:endParaRPr/>
           </a:p>
@@ -1194,7 +1237,9 @@
               </a:defRPr>
             </a:lvl1pPr>
           </a:lstStyle>
-          <a:p/>
+          <a:p>
+            <a:endParaRPr/>
+          </a:p>
         </p:txBody>
       </p:sp>
       <p:sp>
@@ -1221,7 +1266,9 @@
               </a:defRPr>
             </a:lvl1pPr>
           </a:lstStyle>
-          <a:p/>
+          <a:p>
+            <a:endParaRPr/>
+          </a:p>
         </p:txBody>
       </p:sp>
       <p:sp>
@@ -1251,6 +1298,7 @@
           <a:p>
             <a:fld id="{1D8BD707-D9CF-40AE-B4C6-C98DA3205C09}" type="datetimeFigureOut">
               <a:rPr lang="en-US"/>
+              <a:t>8/10/2023</a:t>
             </a:fld>
             <a:endParaRPr lang="en-US"/>
           </a:p>
@@ -1283,6 +1331,7 @@
           <a:p>
             <a:fld id="{B6F15528-21DE-4FAA-801E-634DDDAF4B2B}" type="slidenum">
               <a:rPr/>
+              <a:t>‹#›</a:t>
             </a:fld>
             <a:endParaRPr/>
           </a:p>
@@ -1338,7 +1387,9 @@
               </a:defRPr>
             </a:lvl1pPr>
           </a:lstStyle>
-          <a:p/>
+          <a:p>
+            <a:endParaRPr/>
+          </a:p>
         </p:txBody>
       </p:sp>
       <p:sp>
@@ -1368,6 +1419,7 @@
           <a:p>
             <a:fld id="{1D8BD707-D9CF-40AE-B4C6-C98DA3205C09}" type="datetimeFigureOut">
               <a:rPr lang="en-US"/>
+              <a:t>8/10/2023</a:t>
             </a:fld>
             <a:endParaRPr lang="en-US"/>
           </a:p>
@@ -1400,6 +1452,7 @@
           <a:p>
             <a:fld id="{B6F15528-21DE-4FAA-801E-634DDDAF4B2B}" type="slidenum">
               <a:rPr/>
+              <a:t>‹#›</a:t>
             </a:fld>
             <a:endParaRPr/>
           </a:p>
@@ -1473,7 +1526,9 @@
               </a:defRPr>
             </a:lvl1pPr>
           </a:lstStyle>
-          <a:p/>
+          <a:p>
+            <a:endParaRPr/>
+          </a:p>
         </p:txBody>
       </p:sp>
       <p:sp>
@@ -1508,7 +1563,9 @@
               </a:defRPr>
             </a:lvl1pPr>
           </a:lstStyle>
-          <a:p/>
+          <a:p>
+            <a:endParaRPr/>
+          </a:p>
         </p:txBody>
       </p:sp>
       <p:sp>
@@ -1545,7 +1602,9 @@
               </a:defRPr>
             </a:lvl1pPr>
           </a:lstStyle>
-          <a:p/>
+          <a:p>
+            <a:endParaRPr/>
+          </a:p>
         </p:txBody>
       </p:sp>
       <p:sp>
@@ -1585,6 +1644,7 @@
           <a:p>
             <a:fld id="{1D8BD707-D9CF-40AE-B4C6-C98DA3205C09}" type="datetimeFigureOut">
               <a:rPr lang="en-US"/>
+              <a:t>8/10/2023</a:t>
             </a:fld>
             <a:endParaRPr lang="en-US"/>
           </a:p>
@@ -1627,6 +1687,7 @@
           <a:p>
             <a:fld id="{B6F15528-21DE-4FAA-801E-634DDDAF4B2B}" type="slidenum">
               <a:rPr/>
+              <a:t>‹#›</a:t>
             </a:fld>
             <a:endParaRPr/>
           </a:p>
@@ -1811,7 +1872,7 @@
           <p:nvPr/>
         </p:nvPicPr>
         <p:blipFill>
-          <a:blip r:embed="rId1" cstate="print"/>
+          <a:blip r:embed="rId2" cstate="print"/>
           <a:stretch>
             <a:fillRect/>
           </a:stretch>
@@ -1900,9 +1961,11 @@
         <p:spPr/>
         <p:txBody>
           <a:bodyPr/>
+          <a:lstStyle/>
           <a:p>
             <a:fld id="{B6F15528-21DE-4FAA-801E-634DDDAF4B2B}" type="slidenum">
               <a:rPr/>
+              <a:t>1</a:t>
             </a:fld>
             <a:endParaRPr/>
           </a:p>
@@ -2789,9 +2852,11 @@
         <p:spPr/>
         <p:txBody>
           <a:bodyPr/>
+          <a:lstStyle/>
           <a:p>
             <a:fld id="{B6F15528-21DE-4FAA-801E-634DDDAF4B2B}" type="slidenum">
               <a:rPr/>
+              <a:t>10</a:t>
             </a:fld>
             <a:endParaRPr/>
           </a:p>
@@ -2859,7 +2924,9 @@
         <p:txBody>
           <a:bodyPr wrap="square" lIns="0" tIns="0" rIns="0" bIns="0" rtlCol="0"/>
           <a:lstStyle/>
-          <a:p/>
+          <a:p>
+            <a:endParaRPr/>
+          </a:p>
         </p:txBody>
       </p:sp>
       <p:sp>
@@ -4085,9 +4152,11 @@
         <p:spPr/>
         <p:txBody>
           <a:bodyPr/>
+          <a:lstStyle/>
           <a:p>
             <a:fld id="{B6F15528-21DE-4FAA-801E-634DDDAF4B2B}" type="slidenum">
               <a:rPr/>
+              <a:t>11</a:t>
             </a:fld>
             <a:endParaRPr/>
           </a:p>
@@ -5362,9 +5431,11 @@
         <p:spPr/>
         <p:txBody>
           <a:bodyPr/>
+          <a:lstStyle/>
           <a:p>
             <a:fld id="{B6F15528-21DE-4FAA-801E-634DDDAF4B2B}" type="slidenum">
               <a:rPr/>
+              <a:t>12</a:t>
             </a:fld>
             <a:endParaRPr/>
           </a:p>
@@ -5402,7 +5473,7 @@
           <p:nvPr/>
         </p:nvPicPr>
         <p:blipFill>
-          <a:blip r:embed="rId1" cstate="print"/>
+          <a:blip r:embed="rId2" cstate="print"/>
           <a:stretch>
             <a:fillRect/>
           </a:stretch>
@@ -5454,9 +5525,9 @@
                 <a:latin typeface="Microsoft Sans Serif" panose="020B0604020202020204"/>
                 <a:cs typeface="Microsoft Sans Serif" panose="020B0604020202020204"/>
               </a:rPr>
-              <a:t>Assissted Practice</a:t>
-            </a:r>
-            <a:endParaRPr lang="en-US" sz="5400">
+              <a:t>Demo</a:t>
+            </a:r>
+            <a:endParaRPr lang="en-US" sz="5400" dirty="0">
               <a:latin typeface="Microsoft Sans Serif" panose="020B0604020202020204"/>
               <a:cs typeface="Microsoft Sans Serif" panose="020B0604020202020204"/>
             </a:endParaRPr>
@@ -5522,13 +5593,6 @@
               </a:rPr>
               <a:t>Statement</a:t>
             </a:r>
-            <a:endParaRPr sz="3600" b="1" dirty="0">
-              <a:solidFill>
-                <a:srgbClr val="2A9FBC"/>
-              </a:solidFill>
-              <a:latin typeface="Arial" panose="020B0604020202020204"/>
-              <a:cs typeface="Arial" panose="020B0604020202020204"/>
-            </a:endParaRPr>
           </a:p>
         </p:txBody>
       </p:sp>
@@ -5545,9 +5609,11 @@
         <p:spPr/>
         <p:txBody>
           <a:bodyPr/>
+          <a:lstStyle/>
           <a:p>
             <a:fld id="{B6F15528-21DE-4FAA-801E-634DDDAF4B2B}" type="slidenum">
               <a:rPr/>
+              <a:t>13</a:t>
             </a:fld>
             <a:endParaRPr/>
           </a:p>
@@ -5672,14 +5738,7 @@
                 <a:latin typeface="Lucida Sans Unicode" panose="020B0602030504020204"/>
                 <a:cs typeface="Lucida Sans Unicode" panose="020B0602030504020204"/>
               </a:rPr>
-              <a:t>S</a:t>
-            </a:r>
-            <a:r>
-              <a:rPr sz="5600" b="0" spc="85" dirty="0">
-                <a:latin typeface="Lucida Sans Unicode" panose="020B0602030504020204"/>
-                <a:cs typeface="Lucida Sans Unicode" panose="020B0602030504020204"/>
-              </a:rPr>
-              <a:t>e</a:t>
+              <a:t>Se</a:t>
             </a:r>
             <a:r>
               <a:rPr sz="5600" b="0" spc="-90" dirty="0">
@@ -5756,11 +5815,41 @@
                 <a:tableStyleId>{2D5ABB26-0587-4C30-8999-92F81FD0307C}</a:tableStyleId>
               </a:tblPr>
               <a:tblGrid>
-                <a:gridCol w="5080000"/>
-                <a:gridCol w="4859655"/>
-                <a:gridCol w="219709"/>
-                <a:gridCol w="5079364"/>
-                <a:gridCol w="118109"/>
+                <a:gridCol w="5080000">
+                  <a:extLst>
+                    <a:ext uri="{9D8B030D-6E8A-4147-A177-3AD203B41FA5}">
+                      <a16:colId xmlns:a16="http://schemas.microsoft.com/office/drawing/2014/main" val="20000"/>
+                    </a:ext>
+                  </a:extLst>
+                </a:gridCol>
+                <a:gridCol w="4859655">
+                  <a:extLst>
+                    <a:ext uri="{9D8B030D-6E8A-4147-A177-3AD203B41FA5}">
+                      <a16:colId xmlns:a16="http://schemas.microsoft.com/office/drawing/2014/main" val="20001"/>
+                    </a:ext>
+                  </a:extLst>
+                </a:gridCol>
+                <a:gridCol w="219709">
+                  <a:extLst>
+                    <a:ext uri="{9D8B030D-6E8A-4147-A177-3AD203B41FA5}">
+                      <a16:colId xmlns:a16="http://schemas.microsoft.com/office/drawing/2014/main" val="20002"/>
+                    </a:ext>
+                  </a:extLst>
+                </a:gridCol>
+                <a:gridCol w="5079364">
+                  <a:extLst>
+                    <a:ext uri="{9D8B030D-6E8A-4147-A177-3AD203B41FA5}">
+                      <a16:colId xmlns:a16="http://schemas.microsoft.com/office/drawing/2014/main" val="20003"/>
+                    </a:ext>
+                  </a:extLst>
+                </a:gridCol>
+                <a:gridCol w="118109">
+                  <a:extLst>
+                    <a:ext uri="{9D8B030D-6E8A-4147-A177-3AD203B41FA5}">
+                      <a16:colId xmlns:a16="http://schemas.microsoft.com/office/drawing/2014/main" val="20004"/>
+                    </a:ext>
+                  </a:extLst>
+                </a:gridCol>
               </a:tblGrid>
               <a:tr h="344013">
                 <a:tc gridSpan="2">
@@ -5795,6 +5884,13 @@
                   </a:tcPr>
                 </a:tc>
                 <a:tc hMerge="1">
+                  <a:txBody>
+                    <a:bodyPr/>
+                    <a:lstStyle/>
+                    <a:p>
+                      <a:endParaRPr lang="en-US"/>
+                    </a:p>
+                  </a:txBody>
                   <a:tcPr marL="0" marR="0" marT="0" marB="0"/>
                 </a:tc>
                 <a:tc gridSpan="3">
@@ -5838,11 +5934,30 @@
                   </a:tcPr>
                 </a:tc>
                 <a:tc hMerge="1">
+                  <a:txBody>
+                    <a:bodyPr/>
+                    <a:lstStyle/>
+                    <a:p>
+                      <a:endParaRPr lang="en-US"/>
+                    </a:p>
+                  </a:txBody>
                   <a:tcPr marL="0" marR="0" marT="0" marB="0"/>
                 </a:tc>
                 <a:tc hMerge="1">
+                  <a:txBody>
+                    <a:bodyPr/>
+                    <a:lstStyle/>
+                    <a:p>
+                      <a:endParaRPr lang="en-US"/>
+                    </a:p>
+                  </a:txBody>
                   <a:tcPr marL="0" marR="0" marT="0" marB="0"/>
                 </a:tc>
+                <a:extLst>
+                  <a:ext uri="{0D108BD9-81ED-4DB2-BD59-A6C34878D82A}">
+                    <a16:rowId xmlns:a16="http://schemas.microsoft.com/office/drawing/2014/main" val="10000"/>
+                  </a:ext>
+                </a:extLst>
               </a:tr>
               <a:tr h="900650">
                 <a:tc>
@@ -6012,12 +6127,6 @@
                       </a:solidFill>
                       <a:prstDash val="solid"/>
                     </a:lnR>
-                    <a:lnT w="19050">
-                      <a:solidFill>
-                        <a:srgbClr val="FFFFFF"/>
-                      </a:solidFill>
-                      <a:prstDash val="solid"/>
-                    </a:lnT>
                     <a:lnB w="53975">
                       <a:solidFill>
                         <a:srgbClr val="FFFFFF"/>
@@ -6162,6 +6271,11 @@
                     </a:solidFill>
                   </a:tcPr>
                 </a:tc>
+                <a:extLst>
+                  <a:ext uri="{0D108BD9-81ED-4DB2-BD59-A6C34878D82A}">
+                    <a16:rowId xmlns:a16="http://schemas.microsoft.com/office/drawing/2014/main" val="10001"/>
+                  </a:ext>
+                </a:extLst>
               </a:tr>
               <a:tr h="900650">
                 <a:tc>
@@ -6388,6 +6502,13 @@
                   </a:tcPr>
                 </a:tc>
                 <a:tc vMerge="1">
+                  <a:txBody>
+                    <a:bodyPr/>
+                    <a:lstStyle/>
+                    <a:p>
+                      <a:endParaRPr lang="en-US"/>
+                    </a:p>
+                  </a:txBody>
                   <a:tcPr marL="0" marR="0" marT="0" marB="0">
                     <a:lnL w="19050">
                       <a:solidFill>
@@ -6406,6 +6527,11 @@
                     </a:solidFill>
                   </a:tcPr>
                 </a:tc>
+                <a:extLst>
+                  <a:ext uri="{0D108BD9-81ED-4DB2-BD59-A6C34878D82A}">
+                    <a16:rowId xmlns:a16="http://schemas.microsoft.com/office/drawing/2014/main" val="10002"/>
+                  </a:ext>
+                </a:extLst>
               </a:tr>
               <a:tr h="900650">
                 <a:tc>
@@ -6632,6 +6758,13 @@
                   </a:tcPr>
                 </a:tc>
                 <a:tc vMerge="1">
+                  <a:txBody>
+                    <a:bodyPr/>
+                    <a:lstStyle/>
+                    <a:p>
+                      <a:endParaRPr lang="en-US"/>
+                    </a:p>
+                  </a:txBody>
                   <a:tcPr marL="0" marR="0" marT="0" marB="0">
                     <a:lnL w="19050">
                       <a:solidFill>
@@ -6650,6 +6783,11 @@
                     </a:solidFill>
                   </a:tcPr>
                 </a:tc>
+                <a:extLst>
+                  <a:ext uri="{0D108BD9-81ED-4DB2-BD59-A6C34878D82A}">
+                    <a16:rowId xmlns:a16="http://schemas.microsoft.com/office/drawing/2014/main" val="10003"/>
+                  </a:ext>
+                </a:extLst>
               </a:tr>
               <a:tr h="900650">
                 <a:tc>
@@ -6876,6 +7014,13 @@
                   </a:tcPr>
                 </a:tc>
                 <a:tc vMerge="1">
+                  <a:txBody>
+                    <a:bodyPr/>
+                    <a:lstStyle/>
+                    <a:p>
+                      <a:endParaRPr lang="en-US"/>
+                    </a:p>
+                  </a:txBody>
                   <a:tcPr marL="0" marR="0" marT="0" marB="0">
                     <a:lnL w="19050">
                       <a:solidFill>
@@ -6894,6 +7039,11 @@
                     </a:solidFill>
                   </a:tcPr>
                 </a:tc>
+                <a:extLst>
+                  <a:ext uri="{0D108BD9-81ED-4DB2-BD59-A6C34878D82A}">
+                    <a16:rowId xmlns:a16="http://schemas.microsoft.com/office/drawing/2014/main" val="10004"/>
+                  </a:ext>
+                </a:extLst>
               </a:tr>
               <a:tr h="900650">
                 <a:tc>
@@ -7120,6 +7270,13 @@
                   </a:tcPr>
                 </a:tc>
                 <a:tc vMerge="1">
+                  <a:txBody>
+                    <a:bodyPr/>
+                    <a:lstStyle/>
+                    <a:p>
+                      <a:endParaRPr lang="en-US"/>
+                    </a:p>
+                  </a:txBody>
                   <a:tcPr marL="0" marR="0" marT="0" marB="0">
                     <a:lnL w="19050">
                       <a:solidFill>
@@ -7138,6 +7295,11 @@
                     </a:solidFill>
                   </a:tcPr>
                 </a:tc>
+                <a:extLst>
+                  <a:ext uri="{0D108BD9-81ED-4DB2-BD59-A6C34878D82A}">
+                    <a16:rowId xmlns:a16="http://schemas.microsoft.com/office/drawing/2014/main" val="10005"/>
+                  </a:ext>
+                </a:extLst>
               </a:tr>
               <a:tr h="900650">
                 <a:tc>
@@ -7384,6 +7546,13 @@
                   </a:tcPr>
                 </a:tc>
                 <a:tc vMerge="1">
+                  <a:txBody>
+                    <a:bodyPr/>
+                    <a:lstStyle/>
+                    <a:p>
+                      <a:endParaRPr lang="en-US"/>
+                    </a:p>
+                  </a:txBody>
                   <a:tcPr marL="0" marR="0" marT="0" marB="0">
                     <a:lnL w="19050">
                       <a:solidFill>
@@ -7402,6 +7571,11 @@
                     </a:solidFill>
                   </a:tcPr>
                 </a:tc>
+                <a:extLst>
+                  <a:ext uri="{0D108BD9-81ED-4DB2-BD59-A6C34878D82A}">
+                    <a16:rowId xmlns:a16="http://schemas.microsoft.com/office/drawing/2014/main" val="10006"/>
+                  </a:ext>
+                </a:extLst>
               </a:tr>
               <a:tr h="900650">
                 <a:tc>
@@ -7648,6 +7822,13 @@
                   </a:tcPr>
                 </a:tc>
                 <a:tc vMerge="1">
+                  <a:txBody>
+                    <a:bodyPr/>
+                    <a:lstStyle/>
+                    <a:p>
+                      <a:endParaRPr lang="en-US"/>
+                    </a:p>
+                  </a:txBody>
                   <a:tcPr marL="0" marR="0" marT="0" marB="0">
                     <a:lnL w="19050">
                       <a:solidFill>
@@ -7666,6 +7847,11 @@
                     </a:solidFill>
                   </a:tcPr>
                 </a:tc>
+                <a:extLst>
+                  <a:ext uri="{0D108BD9-81ED-4DB2-BD59-A6C34878D82A}">
+                    <a16:rowId xmlns:a16="http://schemas.microsoft.com/office/drawing/2014/main" val="10007"/>
+                  </a:ext>
+                </a:extLst>
               </a:tr>
               <a:tr h="243303">
                 <a:tc gridSpan="2">
@@ -7700,6 +7886,13 @@
                   </a:tcPr>
                 </a:tc>
                 <a:tc hMerge="1">
+                  <a:txBody>
+                    <a:bodyPr/>
+                    <a:lstStyle/>
+                    <a:p>
+                      <a:endParaRPr lang="en-US"/>
+                    </a:p>
+                  </a:txBody>
                   <a:tcPr marL="0" marR="0" marT="0" marB="0"/>
                 </a:tc>
                 <a:tc gridSpan="3">
@@ -7731,6 +7924,15 @@
                       </a:solidFill>
                       <a:prstDash val="solid"/>
                     </a:lnR>
+                    <a:lnT w="19050" cap="flat" cmpd="sng" algn="ctr">
+                      <a:solidFill>
+                        <a:srgbClr val="FFFFFF"/>
+                      </a:solidFill>
+                      <a:prstDash val="solid"/>
+                      <a:round/>
+                      <a:headEnd type="none" w="med" len="med"/>
+                      <a:tailEnd type="none" w="med" len="med"/>
+                    </a:lnT>
                     <a:lnB w="19050">
                       <a:solidFill>
                         <a:srgbClr val="B1411C"/>
@@ -7743,11 +7945,30 @@
                   </a:tcPr>
                 </a:tc>
                 <a:tc hMerge="1">
+                  <a:txBody>
+                    <a:bodyPr/>
+                    <a:lstStyle/>
+                    <a:p>
+                      <a:endParaRPr lang="en-US"/>
+                    </a:p>
+                  </a:txBody>
                   <a:tcPr marL="0" marR="0" marT="0" marB="0"/>
                 </a:tc>
                 <a:tc hMerge="1">
+                  <a:txBody>
+                    <a:bodyPr/>
+                    <a:lstStyle/>
+                    <a:p>
+                      <a:endParaRPr lang="en-US"/>
+                    </a:p>
+                  </a:txBody>
                   <a:tcPr marL="0" marR="0" marT="0" marB="0"/>
                 </a:tc>
+                <a:extLst>
+                  <a:ext uri="{0D108BD9-81ED-4DB2-BD59-A6C34878D82A}">
+                    <a16:rowId xmlns:a16="http://schemas.microsoft.com/office/drawing/2014/main" val="10008"/>
+                  </a:ext>
+                </a:extLst>
               </a:tr>
             </a:tbl>
           </a:graphicData>
@@ -7766,9 +7987,11 @@
         <p:spPr/>
         <p:txBody>
           <a:bodyPr/>
+          <a:lstStyle/>
           <a:p>
             <a:fld id="{B6F15528-21DE-4FAA-801E-634DDDAF4B2B}" type="slidenum">
               <a:rPr/>
+              <a:t>14</a:t>
             </a:fld>
             <a:endParaRPr/>
           </a:p>
@@ -7806,7 +8029,7 @@
           <p:nvPr/>
         </p:nvPicPr>
         <p:blipFill>
-          <a:blip r:embed="rId1" cstate="print"/>
+          <a:blip r:embed="rId2" cstate="print"/>
           <a:stretch>
             <a:fillRect/>
           </a:stretch>
@@ -8044,17 +8267,7 @@
                 <a:latin typeface="Arial" panose="020B0604020202020204"/>
                 <a:cs typeface="Arial" panose="020B0604020202020204"/>
               </a:rPr>
-              <a:t>a</a:t>
-            </a:r>
-            <a:r>
-              <a:rPr sz="3600" b="1" spc="-35" dirty="0">
-                <a:solidFill>
-                  <a:srgbClr val="F15B2A"/>
-                </a:solidFill>
-                <a:latin typeface="Arial" panose="020B0604020202020204"/>
-                <a:cs typeface="Arial" panose="020B0604020202020204"/>
-              </a:rPr>
-              <a:t>r</a:t>
+              <a:t>ar</a:t>
             </a:r>
             <a:r>
               <a:rPr sz="3600" b="1" spc="-55" dirty="0">
@@ -8697,9 +8910,11 @@
         <p:spPr/>
         <p:txBody>
           <a:bodyPr/>
+          <a:lstStyle/>
           <a:p>
             <a:fld id="{B6F15528-21DE-4FAA-801E-634DDDAF4B2B}" type="slidenum">
               <a:rPr/>
+              <a:t>15</a:t>
             </a:fld>
             <a:endParaRPr/>
           </a:p>
@@ -8737,7 +8952,7 @@
           <p:nvPr/>
         </p:nvPicPr>
         <p:blipFill>
-          <a:blip r:embed="rId1" cstate="print"/>
+          <a:blip r:embed="rId2" cstate="print"/>
           <a:stretch>
             <a:fillRect/>
           </a:stretch>
@@ -8977,9 +9192,11 @@
         <p:spPr/>
         <p:txBody>
           <a:bodyPr/>
+          <a:lstStyle/>
           <a:p>
             <a:fld id="{B6F15528-21DE-4FAA-801E-634DDDAF4B2B}" type="slidenum">
               <a:rPr/>
+              <a:t>16</a:t>
             </a:fld>
             <a:endParaRPr/>
           </a:p>
@@ -9017,7 +9234,7 @@
           <p:nvPr/>
         </p:nvPicPr>
         <p:blipFill>
-          <a:blip r:embed="rId1" cstate="print"/>
+          <a:blip r:embed="rId2" cstate="print"/>
           <a:stretch>
             <a:fillRect/>
           </a:stretch>
@@ -9686,9 +9903,11 @@
         <p:spPr/>
         <p:txBody>
           <a:bodyPr/>
+          <a:lstStyle/>
           <a:p>
             <a:fld id="{B6F15528-21DE-4FAA-801E-634DDDAF4B2B}" type="slidenum">
               <a:rPr/>
+              <a:t>2</a:t>
             </a:fld>
             <a:endParaRPr/>
           </a:p>
@@ -10230,7 +10449,9 @@
         <p:txBody>
           <a:bodyPr wrap="square" lIns="0" tIns="0" rIns="0" bIns="0" rtlCol="0"/>
           <a:lstStyle/>
-          <a:p/>
+          <a:p>
+            <a:endParaRPr/>
+          </a:p>
         </p:txBody>
       </p:sp>
       <p:sp>
@@ -10246,9 +10467,11 @@
         <p:spPr/>
         <p:txBody>
           <a:bodyPr/>
+          <a:lstStyle/>
           <a:p>
             <a:fld id="{B6F15528-21DE-4FAA-801E-634DDDAF4B2B}" type="slidenum">
               <a:rPr/>
+              <a:t>3</a:t>
             </a:fld>
             <a:endParaRPr/>
           </a:p>
@@ -10316,7 +10539,9 @@
         <p:txBody>
           <a:bodyPr wrap="square" lIns="0" tIns="0" rIns="0" bIns="0" rtlCol="0"/>
           <a:lstStyle/>
-          <a:p/>
+          <a:p>
+            <a:endParaRPr/>
+          </a:p>
         </p:txBody>
       </p:sp>
       <p:sp>
@@ -10486,7 +10711,67 @@
                 <a:latin typeface="Tahoma" panose="020B0604030504040204"/>
                 <a:cs typeface="Tahoma" panose="020B0604030504040204"/>
               </a:rPr>
-              <a:t>t</a:t>
+              <a:t>ts</a:t>
+            </a:r>
+            <a:r>
+              <a:rPr sz="3400" spc="-110" dirty="0">
+                <a:solidFill>
+                  <a:srgbClr val="F15B2A"/>
+                </a:solidFill>
+                <a:latin typeface="Tahoma" panose="020B0604030504040204"/>
+                <a:cs typeface="Tahoma" panose="020B0604030504040204"/>
+              </a:rPr>
+              <a:t> </a:t>
+            </a:r>
+            <a:r>
+              <a:rPr sz="3400" spc="-170" dirty="0">
+                <a:solidFill>
+                  <a:srgbClr val="F15B2A"/>
+                </a:solidFill>
+                <a:latin typeface="Tahoma" panose="020B0604030504040204"/>
+                <a:cs typeface="Tahoma" panose="020B0604030504040204"/>
+              </a:rPr>
+              <a:t>a</a:t>
+            </a:r>
+            <a:r>
+              <a:rPr sz="3400" spc="-114" dirty="0">
+                <a:solidFill>
+                  <a:srgbClr val="F15B2A"/>
+                </a:solidFill>
+                <a:latin typeface="Tahoma" panose="020B0604030504040204"/>
+                <a:cs typeface="Tahoma" panose="020B0604030504040204"/>
+              </a:rPr>
+              <a:t> </a:t>
+            </a:r>
+            <a:r>
+              <a:rPr sz="3400" spc="-120" dirty="0">
+                <a:solidFill>
+                  <a:srgbClr val="F15B2A"/>
+                </a:solidFill>
+                <a:latin typeface="Tahoma" panose="020B0604030504040204"/>
+                <a:cs typeface="Tahoma" panose="020B0604030504040204"/>
+              </a:rPr>
+              <a:t>S</a:t>
+            </a:r>
+            <a:r>
+              <a:rPr sz="3400" spc="15" dirty="0">
+                <a:solidFill>
+                  <a:srgbClr val="F15B2A"/>
+                </a:solidFill>
+                <a:latin typeface="Tahoma" panose="020B0604030504040204"/>
+                <a:cs typeface="Tahoma" panose="020B0604030504040204"/>
+              </a:rPr>
+              <a:t>Q</a:t>
+            </a:r>
+            <a:r>
+              <a:rPr sz="3400" spc="-5" dirty="0">
+                <a:solidFill>
+                  <a:srgbClr val="F15B2A"/>
+                </a:solidFill>
+                <a:latin typeface="Tahoma" panose="020B0604030504040204"/>
+                <a:cs typeface="Tahoma" panose="020B0604030504040204"/>
+              </a:rPr>
+              <a:t>L</a:t>
             </a:r>
             <a:r>
               <a:rPr sz="3400" spc="-105" dirty="0">
@@ -10496,97 +10781,7 @@
                 <a:latin typeface="Tahoma" panose="020B0604030504040204"/>
                 <a:cs typeface="Tahoma" panose="020B0604030504040204"/>
               </a:rPr>
-              <a:t>s</a:t>
-            </a:r>
-            <a:r>
-              <a:rPr sz="3400" spc="-110" dirty="0">
-                <a:solidFill>
-                  <a:srgbClr val="F15B2A"/>
-                </a:solidFill>
-                <a:latin typeface="Tahoma" panose="020B0604030504040204"/>
-                <a:cs typeface="Tahoma" panose="020B0604030504040204"/>
-              </a:rPr>
-              <a:t> </a:t>
-            </a:r>
-            <a:r>
-              <a:rPr sz="3400" spc="-170" dirty="0">
-                <a:solidFill>
-                  <a:srgbClr val="F15B2A"/>
-                </a:solidFill>
-                <a:latin typeface="Tahoma" panose="020B0604030504040204"/>
-                <a:cs typeface="Tahoma" panose="020B0604030504040204"/>
-              </a:rPr>
-              <a:t>a</a:t>
-            </a:r>
-            <a:r>
-              <a:rPr sz="3400" spc="-114" dirty="0">
-                <a:solidFill>
-                  <a:srgbClr val="F15B2A"/>
-                </a:solidFill>
-                <a:latin typeface="Tahoma" panose="020B0604030504040204"/>
-                <a:cs typeface="Tahoma" panose="020B0604030504040204"/>
-              </a:rPr>
-              <a:t> </a:t>
-            </a:r>
-            <a:r>
-              <a:rPr sz="3400" spc="-120" dirty="0">
-                <a:solidFill>
-                  <a:srgbClr val="F15B2A"/>
-                </a:solidFill>
-                <a:latin typeface="Tahoma" panose="020B0604030504040204"/>
-                <a:cs typeface="Tahoma" panose="020B0604030504040204"/>
-              </a:rPr>
-              <a:t>S</a:t>
-            </a:r>
-            <a:r>
-              <a:rPr sz="3400" spc="15" dirty="0">
-                <a:solidFill>
-                  <a:srgbClr val="F15B2A"/>
-                </a:solidFill>
-                <a:latin typeface="Tahoma" panose="020B0604030504040204"/>
-                <a:cs typeface="Tahoma" panose="020B0604030504040204"/>
-              </a:rPr>
-              <a:t>Q</a:t>
-            </a:r>
-            <a:r>
-              <a:rPr sz="3400" spc="-5" dirty="0">
-                <a:solidFill>
-                  <a:srgbClr val="F15B2A"/>
-                </a:solidFill>
-                <a:latin typeface="Tahoma" panose="020B0604030504040204"/>
-                <a:cs typeface="Tahoma" panose="020B0604030504040204"/>
-              </a:rPr>
-              <a:t>L</a:t>
-            </a:r>
-            <a:r>
-              <a:rPr sz="3400" spc="-105" dirty="0">
-                <a:solidFill>
-                  <a:srgbClr val="F15B2A"/>
-                </a:solidFill>
-                <a:latin typeface="Tahoma" panose="020B0604030504040204"/>
-                <a:cs typeface="Tahoma" panose="020B0604030504040204"/>
-              </a:rPr>
-              <a:t> </a:t>
-            </a:r>
-            <a:r>
-              <a:rPr sz="3400" spc="-105" dirty="0">
-                <a:solidFill>
-                  <a:srgbClr val="F15B2A"/>
-                </a:solidFill>
-                <a:latin typeface="Tahoma" panose="020B0604030504040204"/>
-                <a:cs typeface="Tahoma" panose="020B0604030504040204"/>
-              </a:rPr>
-              <a:t>s</a:t>
-            </a:r>
-            <a:r>
-              <a:rPr sz="3400" spc="-105" dirty="0">
-                <a:solidFill>
-                  <a:srgbClr val="F15B2A"/>
-                </a:solidFill>
-                <a:latin typeface="Tahoma" panose="020B0604030504040204"/>
-                <a:cs typeface="Tahoma" panose="020B0604030504040204"/>
-              </a:rPr>
-              <a:t>t</a:t>
+              <a:t> st</a:t>
             </a:r>
             <a:r>
               <a:rPr sz="3400" spc="-220" dirty="0">
@@ -11306,10 +11501,40 @@
                 <a:latin typeface="Tahoma" panose="020B0604030504040204"/>
                 <a:cs typeface="Tahoma" panose="020B0604030504040204"/>
               </a:rPr>
-              <a:t>h</a:t>
-            </a:r>
-            <a:r>
-              <a:rPr sz="3400" b="1" spc="-90" dirty="0">
+              <a:t>ho</a:t>
+            </a:r>
+            <a:r>
+              <a:rPr sz="3400" b="1" spc="-45" dirty="0">
+                <a:solidFill>
+                  <a:srgbClr val="F15B2A"/>
+                </a:solidFill>
+                <a:latin typeface="Tahoma" panose="020B0604030504040204"/>
+                <a:cs typeface="Tahoma" panose="020B0604030504040204"/>
+              </a:rPr>
+              <a:t>d</a:t>
+            </a:r>
+            <a:r>
+              <a:rPr sz="3400" b="1" spc="-105" dirty="0">
+                <a:solidFill>
+                  <a:srgbClr val="F15B2A"/>
+                </a:solidFill>
+                <a:latin typeface="Tahoma" panose="020B0604030504040204"/>
+                <a:cs typeface="Tahoma" panose="020B0604030504040204"/>
+              </a:rPr>
+              <a:t>s</a:t>
+            </a:r>
+            <a:r>
+              <a:rPr sz="3400" b="1" spc="-110" dirty="0">
+                <a:solidFill>
+                  <a:srgbClr val="F15B2A"/>
+                </a:solidFill>
+                <a:latin typeface="Tahoma" panose="020B0604030504040204"/>
+                <a:cs typeface="Tahoma" panose="020B0604030504040204"/>
+              </a:rPr>
+              <a:t> t</a:t>
+            </a:r>
+            <a:r>
+              <a:rPr sz="3400" b="1" spc="-55" dirty="0">
                 <a:solidFill>
                   <a:srgbClr val="F15B2A"/>
                 </a:solidFill>
@@ -11319,6 +11544,36 @@
               <a:t>o</a:t>
             </a:r>
             <a:r>
+              <a:rPr sz="3400" b="1" spc="-114" dirty="0">
+                <a:solidFill>
+                  <a:srgbClr val="F15B2A"/>
+                </a:solidFill>
+                <a:latin typeface="Tahoma" panose="020B0604030504040204"/>
+                <a:cs typeface="Tahoma" panose="020B0604030504040204"/>
+              </a:rPr>
+              <a:t> </a:t>
+            </a:r>
+            <a:r>
+              <a:rPr sz="3400" b="1" spc="-295" dirty="0">
+                <a:solidFill>
+                  <a:srgbClr val="F15B2A"/>
+                </a:solidFill>
+                <a:latin typeface="Tahoma" panose="020B0604030504040204"/>
+                <a:cs typeface="Tahoma" panose="020B0604030504040204"/>
+              </a:rPr>
+              <a:t>m</a:t>
+            </a:r>
+            <a:r>
+              <a:rPr sz="3400" b="1" spc="-60" dirty="0">
+                <a:solidFill>
+                  <a:srgbClr val="F15B2A"/>
+                </a:solidFill>
+                <a:latin typeface="Tahoma" panose="020B0604030504040204"/>
+                <a:cs typeface="Tahoma" panose="020B0604030504040204"/>
+              </a:rPr>
+              <a:t>o</a:t>
+            </a:r>
+            <a:r>
               <a:rPr sz="3400" b="1" spc="-45" dirty="0">
                 <a:solidFill>
                   <a:srgbClr val="F15B2A"/>
@@ -11336,20 +11591,120 @@
                 <a:latin typeface="Tahoma" panose="020B0604030504040204"/>
                 <a:cs typeface="Tahoma" panose="020B0604030504040204"/>
               </a:rPr>
-              <a:t>s</a:t>
-            </a:r>
-            <a:r>
-              <a:rPr sz="3400" b="1" spc="-110" dirty="0">
-                <a:solidFill>
-                  <a:srgbClr val="F15B2A"/>
-                </a:solidFill>
-                <a:latin typeface="Tahoma" panose="020B0604030504040204"/>
-                <a:cs typeface="Tahoma" panose="020B0604030504040204"/>
-              </a:rPr>
-              <a:t> </a:t>
-            </a:r>
-            <a:r>
-              <a:rPr sz="3400" b="1" spc="-110" dirty="0">
+              <a:t>ify  </a:t>
+            </a:r>
+            <a:r>
+              <a:rPr sz="3400" b="1" spc="-175" dirty="0">
+                <a:solidFill>
+                  <a:srgbClr val="F15B2A"/>
+                </a:solidFill>
+                <a:latin typeface="Tahoma" panose="020B0604030504040204"/>
+                <a:cs typeface="Tahoma" panose="020B0604030504040204"/>
+              </a:rPr>
+              <a:t>a</a:t>
+            </a:r>
+            <a:r>
+              <a:rPr sz="3400" b="1" spc="-120" dirty="0">
+                <a:solidFill>
+                  <a:srgbClr val="F15B2A"/>
+                </a:solidFill>
+                <a:latin typeface="Tahoma" panose="020B0604030504040204"/>
+                <a:cs typeface="Tahoma" panose="020B0604030504040204"/>
+              </a:rPr>
+              <a:t>n</a:t>
+            </a:r>
+            <a:r>
+              <a:rPr sz="3400" b="1" spc="-40" dirty="0">
+                <a:solidFill>
+                  <a:srgbClr val="F15B2A"/>
+                </a:solidFill>
+                <a:latin typeface="Tahoma" panose="020B0604030504040204"/>
+                <a:cs typeface="Tahoma" panose="020B0604030504040204"/>
+              </a:rPr>
+              <a:t>d</a:t>
+            </a:r>
+            <a:r>
+              <a:rPr sz="3400" b="1" spc="-114" dirty="0">
+                <a:solidFill>
+                  <a:srgbClr val="F15B2A"/>
+                </a:solidFill>
+                <a:latin typeface="Tahoma" panose="020B0604030504040204"/>
+                <a:cs typeface="Tahoma" panose="020B0604030504040204"/>
+              </a:rPr>
+              <a:t> </a:t>
+            </a:r>
+            <a:r>
+              <a:rPr sz="3400" b="1" spc="-95" dirty="0">
+                <a:solidFill>
+                  <a:srgbClr val="F15B2A"/>
+                </a:solidFill>
+                <a:latin typeface="Tahoma" panose="020B0604030504040204"/>
+                <a:cs typeface="Tahoma" panose="020B0604030504040204"/>
+              </a:rPr>
+              <a:t>r</a:t>
+            </a:r>
+            <a:r>
+              <a:rPr sz="3400" b="1" spc="-130" dirty="0">
+                <a:solidFill>
+                  <a:srgbClr val="F15B2A"/>
+                </a:solidFill>
+                <a:latin typeface="Tahoma" panose="020B0604030504040204"/>
+                <a:cs typeface="Tahoma" panose="020B0604030504040204"/>
+              </a:rPr>
+              <a:t>e</a:t>
+            </a:r>
+            <a:r>
+              <a:rPr sz="3400" b="1" spc="-175" dirty="0">
+                <a:solidFill>
+                  <a:srgbClr val="F15B2A"/>
+                </a:solidFill>
+                <a:latin typeface="Tahoma" panose="020B0604030504040204"/>
+                <a:cs typeface="Tahoma" panose="020B0604030504040204"/>
+              </a:rPr>
+              <a:t>a</a:t>
+            </a:r>
+            <a:r>
+              <a:rPr sz="3400" b="1" spc="-40" dirty="0">
+                <a:solidFill>
+                  <a:srgbClr val="F15B2A"/>
+                </a:solidFill>
+                <a:latin typeface="Tahoma" panose="020B0604030504040204"/>
+                <a:cs typeface="Tahoma" panose="020B0604030504040204"/>
+              </a:rPr>
+              <a:t>d</a:t>
+            </a:r>
+            <a:r>
+              <a:rPr sz="3400" b="1" spc="-114" dirty="0">
+                <a:solidFill>
+                  <a:srgbClr val="F15B2A"/>
+                </a:solidFill>
+                <a:latin typeface="Tahoma" panose="020B0604030504040204"/>
+                <a:cs typeface="Tahoma" panose="020B0604030504040204"/>
+              </a:rPr>
+              <a:t> </a:t>
+            </a:r>
+            <a:r>
+              <a:rPr sz="3400" b="1" spc="-45" dirty="0">
+                <a:solidFill>
+                  <a:srgbClr val="F15B2A"/>
+                </a:solidFill>
+                <a:latin typeface="Tahoma" panose="020B0604030504040204"/>
+                <a:cs typeface="Tahoma" panose="020B0604030504040204"/>
+              </a:rPr>
+              <a:t>d</a:t>
+            </a:r>
+            <a:r>
+              <a:rPr sz="3400" b="1" spc="-220" dirty="0">
+                <a:solidFill>
+                  <a:srgbClr val="F15B2A"/>
+                </a:solidFill>
+                <a:latin typeface="Tahoma" panose="020B0604030504040204"/>
+                <a:cs typeface="Tahoma" panose="020B0604030504040204"/>
+              </a:rPr>
+              <a:t>a</a:t>
+            </a:r>
+            <a:r>
+              <a:rPr sz="3400" b="1" spc="-105" dirty="0">
                 <a:solidFill>
                   <a:srgbClr val="F15B2A"/>
                 </a:solidFill>
@@ -11359,14 +11714,14 @@
               <a:t>t</a:t>
             </a:r>
             <a:r>
-              <a:rPr sz="3400" b="1" spc="-55" dirty="0">
-                <a:solidFill>
-                  <a:srgbClr val="F15B2A"/>
-                </a:solidFill>
-                <a:latin typeface="Tahoma" panose="020B0604030504040204"/>
-                <a:cs typeface="Tahoma" panose="020B0604030504040204"/>
-              </a:rPr>
-              <a:t>o</a:t>
+              <a:rPr sz="3400" b="1" spc="-170" dirty="0">
+                <a:solidFill>
+                  <a:srgbClr val="F15B2A"/>
+                </a:solidFill>
+                <a:latin typeface="Tahoma" panose="020B0604030504040204"/>
+                <a:cs typeface="Tahoma" panose="020B0604030504040204"/>
+              </a:rPr>
+              <a:t>a</a:t>
             </a:r>
             <a:r>
               <a:rPr sz="3400" b="1" spc="-114" dirty="0">
@@ -11379,36 +11734,6 @@
               <a:t> </a:t>
             </a:r>
             <a:r>
-              <a:rPr sz="3400" b="1" spc="-295" dirty="0">
-                <a:solidFill>
-                  <a:srgbClr val="F15B2A"/>
-                </a:solidFill>
-                <a:latin typeface="Tahoma" panose="020B0604030504040204"/>
-                <a:cs typeface="Tahoma" panose="020B0604030504040204"/>
-              </a:rPr>
-              <a:t>m</a:t>
-            </a:r>
-            <a:r>
-              <a:rPr sz="3400" b="1" spc="-60" dirty="0">
-                <a:solidFill>
-                  <a:srgbClr val="F15B2A"/>
-                </a:solidFill>
-                <a:latin typeface="Tahoma" panose="020B0604030504040204"/>
-                <a:cs typeface="Tahoma" panose="020B0604030504040204"/>
-              </a:rPr>
-              <a:t>o</a:t>
-            </a:r>
-            <a:r>
-              <a:rPr sz="3400" b="1" spc="-45" dirty="0">
-                <a:solidFill>
-                  <a:srgbClr val="F15B2A"/>
-                </a:solidFill>
-                <a:latin typeface="Tahoma" panose="020B0604030504040204"/>
-                <a:cs typeface="Tahoma" panose="020B0604030504040204"/>
-              </a:rPr>
-              <a:t>d</a:t>
-            </a:r>
-            <a:r>
               <a:rPr sz="3400" b="1" spc="-105" dirty="0">
                 <a:solidFill>
                   <a:srgbClr val="F15B2A"/>
@@ -11416,167 +11741,7 @@
                 <a:latin typeface="Tahoma" panose="020B0604030504040204"/>
                 <a:cs typeface="Tahoma" panose="020B0604030504040204"/>
               </a:rPr>
-              <a:t>ify  </a:t>
-            </a:r>
-            <a:r>
-              <a:rPr sz="3400" b="1" spc="-175" dirty="0">
-                <a:solidFill>
-                  <a:srgbClr val="F15B2A"/>
-                </a:solidFill>
-                <a:latin typeface="Tahoma" panose="020B0604030504040204"/>
-                <a:cs typeface="Tahoma" panose="020B0604030504040204"/>
-              </a:rPr>
-              <a:t>a</a:t>
-            </a:r>
-            <a:r>
-              <a:rPr sz="3400" b="1" spc="-120" dirty="0">
-                <a:solidFill>
-                  <a:srgbClr val="F15B2A"/>
-                </a:solidFill>
-                <a:latin typeface="Tahoma" panose="020B0604030504040204"/>
-                <a:cs typeface="Tahoma" panose="020B0604030504040204"/>
-              </a:rPr>
-              <a:t>n</a:t>
-            </a:r>
-            <a:r>
-              <a:rPr sz="3400" b="1" spc="-40" dirty="0">
-                <a:solidFill>
-                  <a:srgbClr val="F15B2A"/>
-                </a:solidFill>
-                <a:latin typeface="Tahoma" panose="020B0604030504040204"/>
-                <a:cs typeface="Tahoma" panose="020B0604030504040204"/>
-              </a:rPr>
-              <a:t>d</a:t>
-            </a:r>
-            <a:r>
-              <a:rPr sz="3400" b="1" spc="-114" dirty="0">
-                <a:solidFill>
-                  <a:srgbClr val="F15B2A"/>
-                </a:solidFill>
-                <a:latin typeface="Tahoma" panose="020B0604030504040204"/>
-                <a:cs typeface="Tahoma" panose="020B0604030504040204"/>
-              </a:rPr>
-              <a:t> </a:t>
-            </a:r>
-            <a:r>
-              <a:rPr sz="3400" b="1" spc="-95" dirty="0">
-                <a:solidFill>
-                  <a:srgbClr val="F15B2A"/>
-                </a:solidFill>
-                <a:latin typeface="Tahoma" panose="020B0604030504040204"/>
-                <a:cs typeface="Tahoma" panose="020B0604030504040204"/>
-              </a:rPr>
-              <a:t>r</a:t>
-            </a:r>
-            <a:r>
-              <a:rPr sz="3400" b="1" spc="-130" dirty="0">
-                <a:solidFill>
-                  <a:srgbClr val="F15B2A"/>
-                </a:solidFill>
-                <a:latin typeface="Tahoma" panose="020B0604030504040204"/>
-                <a:cs typeface="Tahoma" panose="020B0604030504040204"/>
-              </a:rPr>
-              <a:t>e</a:t>
-            </a:r>
-            <a:r>
-              <a:rPr sz="3400" b="1" spc="-175" dirty="0">
-                <a:solidFill>
-                  <a:srgbClr val="F15B2A"/>
-                </a:solidFill>
-                <a:latin typeface="Tahoma" panose="020B0604030504040204"/>
-                <a:cs typeface="Tahoma" panose="020B0604030504040204"/>
-              </a:rPr>
-              <a:t>a</a:t>
-            </a:r>
-            <a:r>
-              <a:rPr sz="3400" b="1" spc="-40" dirty="0">
-                <a:solidFill>
-                  <a:srgbClr val="F15B2A"/>
-                </a:solidFill>
-                <a:latin typeface="Tahoma" panose="020B0604030504040204"/>
-                <a:cs typeface="Tahoma" panose="020B0604030504040204"/>
-              </a:rPr>
-              <a:t>d</a:t>
-            </a:r>
-            <a:r>
-              <a:rPr sz="3400" b="1" spc="-114" dirty="0">
-                <a:solidFill>
-                  <a:srgbClr val="F15B2A"/>
-                </a:solidFill>
-                <a:latin typeface="Tahoma" panose="020B0604030504040204"/>
-                <a:cs typeface="Tahoma" panose="020B0604030504040204"/>
-              </a:rPr>
-              <a:t> </a:t>
-            </a:r>
-            <a:r>
-              <a:rPr sz="3400" b="1" spc="-45" dirty="0">
-                <a:solidFill>
-                  <a:srgbClr val="F15B2A"/>
-                </a:solidFill>
-                <a:latin typeface="Tahoma" panose="020B0604030504040204"/>
-                <a:cs typeface="Tahoma" panose="020B0604030504040204"/>
-              </a:rPr>
-              <a:t>d</a:t>
-            </a:r>
-            <a:r>
-              <a:rPr sz="3400" b="1" spc="-220" dirty="0">
-                <a:solidFill>
-                  <a:srgbClr val="F15B2A"/>
-                </a:solidFill>
-                <a:latin typeface="Tahoma" panose="020B0604030504040204"/>
-                <a:cs typeface="Tahoma" panose="020B0604030504040204"/>
-              </a:rPr>
-              <a:t>a</a:t>
-            </a:r>
-            <a:r>
-              <a:rPr sz="3400" b="1" spc="-105" dirty="0">
-                <a:solidFill>
-                  <a:srgbClr val="F15B2A"/>
-                </a:solidFill>
-                <a:latin typeface="Tahoma" panose="020B0604030504040204"/>
-                <a:cs typeface="Tahoma" panose="020B0604030504040204"/>
-              </a:rPr>
-              <a:t>t</a:t>
-            </a:r>
-            <a:r>
-              <a:rPr sz="3400" b="1" spc="-170" dirty="0">
-                <a:solidFill>
-                  <a:srgbClr val="F15B2A"/>
-                </a:solidFill>
-                <a:latin typeface="Tahoma" panose="020B0604030504040204"/>
-                <a:cs typeface="Tahoma" panose="020B0604030504040204"/>
-              </a:rPr>
-              <a:t>a</a:t>
-            </a:r>
-            <a:r>
-              <a:rPr sz="3400" b="1" spc="-114" dirty="0">
-                <a:solidFill>
-                  <a:srgbClr val="F15B2A"/>
-                </a:solidFill>
-                <a:latin typeface="Tahoma" panose="020B0604030504040204"/>
-                <a:cs typeface="Tahoma" panose="020B0604030504040204"/>
-              </a:rPr>
-              <a:t> </a:t>
-            </a:r>
-            <a:r>
-              <a:rPr sz="3400" b="1" spc="-105" dirty="0">
-                <a:solidFill>
-                  <a:srgbClr val="F15B2A"/>
-                </a:solidFill>
-                <a:latin typeface="Tahoma" panose="020B0604030504040204"/>
-                <a:cs typeface="Tahoma" panose="020B0604030504040204"/>
-              </a:rPr>
-              <a:t>f</a:t>
-            </a:r>
-            <a:r>
-              <a:rPr sz="3400" b="1" spc="-105" dirty="0">
-                <a:solidFill>
-                  <a:srgbClr val="F15B2A"/>
-                </a:solidFill>
-                <a:latin typeface="Tahoma" panose="020B0604030504040204"/>
-                <a:cs typeface="Tahoma" panose="020B0604030504040204"/>
-              </a:rPr>
-              <a:t>r</a:t>
+              <a:t>fr</a:t>
             </a:r>
             <a:r>
               <a:rPr sz="3400" b="1" spc="-160" dirty="0">
@@ -11748,9 +11913,11 @@
         <p:spPr/>
         <p:txBody>
           <a:bodyPr/>
+          <a:lstStyle/>
           <a:p>
             <a:fld id="{B6F15528-21DE-4FAA-801E-634DDDAF4B2B}" type="slidenum">
               <a:rPr/>
+              <a:t>4</a:t>
             </a:fld>
             <a:endParaRPr/>
           </a:p>
@@ -11818,7 +11985,9 @@
         <p:txBody>
           <a:bodyPr wrap="square" lIns="0" tIns="0" rIns="0" bIns="0" rtlCol="0"/>
           <a:lstStyle/>
-          <a:p/>
+          <a:p>
+            <a:endParaRPr/>
+          </a:p>
         </p:txBody>
       </p:sp>
       <p:sp>
@@ -12598,7 +12767,57 @@
                 <a:latin typeface="Tahoma" panose="020B0604030504040204"/>
                 <a:cs typeface="Tahoma" panose="020B0604030504040204"/>
               </a:rPr>
-              <a:t>o</a:t>
+              <a:t>on</a:t>
+            </a:r>
+            <a:r>
+              <a:rPr sz="3400" b="1" spc="-120" dirty="0">
+                <a:solidFill>
+                  <a:srgbClr val="F15B2A"/>
+                </a:solidFill>
+                <a:latin typeface="Tahoma" panose="020B0604030504040204"/>
+                <a:cs typeface="Tahoma" panose="020B0604030504040204"/>
+              </a:rPr>
+              <a:t>n</a:t>
+            </a:r>
+            <a:r>
+              <a:rPr sz="3400" b="1" spc="-25" dirty="0">
+                <a:solidFill>
+                  <a:srgbClr val="F15B2A"/>
+                </a:solidFill>
+                <a:latin typeface="Tahoma" panose="020B0604030504040204"/>
+                <a:cs typeface="Tahoma" panose="020B0604030504040204"/>
+              </a:rPr>
+              <a:t>e</a:t>
+            </a:r>
+            <a:r>
+              <a:rPr sz="3400" b="1" spc="165" dirty="0">
+                <a:solidFill>
+                  <a:srgbClr val="F15B2A"/>
+                </a:solidFill>
+                <a:latin typeface="Tahoma" panose="020B0604030504040204"/>
+                <a:cs typeface="Tahoma" panose="020B0604030504040204"/>
+              </a:rPr>
+              <a:t>c</a:t>
+            </a:r>
+            <a:r>
+              <a:rPr sz="3400" b="1" spc="-125" dirty="0">
+                <a:solidFill>
+                  <a:srgbClr val="F15B2A"/>
+                </a:solidFill>
+                <a:latin typeface="Tahoma" panose="020B0604030504040204"/>
+                <a:cs typeface="Tahoma" panose="020B0604030504040204"/>
+              </a:rPr>
+              <a:t>t</a:t>
+            </a:r>
+            <a:r>
+              <a:rPr sz="3400" b="1" spc="-85" dirty="0">
+                <a:solidFill>
+                  <a:srgbClr val="F15B2A"/>
+                </a:solidFill>
+                <a:latin typeface="Tahoma" panose="020B0604030504040204"/>
+                <a:cs typeface="Tahoma" panose="020B0604030504040204"/>
+              </a:rPr>
+              <a:t>i</a:t>
             </a:r>
             <a:r>
               <a:rPr sz="3400" b="1" spc="-90" dirty="0">
@@ -12608,77 +12827,7 @@
                 <a:latin typeface="Tahoma" panose="020B0604030504040204"/>
                 <a:cs typeface="Tahoma" panose="020B0604030504040204"/>
               </a:rPr>
-              <a:t>n</a:t>
-            </a:r>
-            <a:r>
-              <a:rPr sz="3400" b="1" spc="-120" dirty="0">
-                <a:solidFill>
-                  <a:srgbClr val="F15B2A"/>
-                </a:solidFill>
-                <a:latin typeface="Tahoma" panose="020B0604030504040204"/>
-                <a:cs typeface="Tahoma" panose="020B0604030504040204"/>
-              </a:rPr>
-              <a:t>n</a:t>
-            </a:r>
-            <a:r>
-              <a:rPr sz="3400" b="1" spc="-25" dirty="0">
-                <a:solidFill>
-                  <a:srgbClr val="F15B2A"/>
-                </a:solidFill>
-                <a:latin typeface="Tahoma" panose="020B0604030504040204"/>
-                <a:cs typeface="Tahoma" panose="020B0604030504040204"/>
-              </a:rPr>
-              <a:t>e</a:t>
-            </a:r>
-            <a:r>
-              <a:rPr sz="3400" b="1" spc="165" dirty="0">
-                <a:solidFill>
-                  <a:srgbClr val="F15B2A"/>
-                </a:solidFill>
-                <a:latin typeface="Tahoma" panose="020B0604030504040204"/>
-                <a:cs typeface="Tahoma" panose="020B0604030504040204"/>
-              </a:rPr>
-              <a:t>c</a:t>
-            </a:r>
-            <a:r>
-              <a:rPr sz="3400" b="1" spc="-125" dirty="0">
-                <a:solidFill>
-                  <a:srgbClr val="F15B2A"/>
-                </a:solidFill>
-                <a:latin typeface="Tahoma" panose="020B0604030504040204"/>
-                <a:cs typeface="Tahoma" panose="020B0604030504040204"/>
-              </a:rPr>
-              <a:t>t</a:t>
-            </a:r>
-            <a:r>
-              <a:rPr sz="3400" b="1" spc="-85" dirty="0">
-                <a:solidFill>
-                  <a:srgbClr val="F15B2A"/>
-                </a:solidFill>
-                <a:latin typeface="Tahoma" panose="020B0604030504040204"/>
-                <a:cs typeface="Tahoma" panose="020B0604030504040204"/>
-              </a:rPr>
-              <a:t>i</a:t>
-            </a:r>
-            <a:r>
-              <a:rPr sz="3400" b="1" spc="-90" dirty="0">
-                <a:solidFill>
-                  <a:srgbClr val="F15B2A"/>
-                </a:solidFill>
-                <a:latin typeface="Tahoma" panose="020B0604030504040204"/>
-                <a:cs typeface="Tahoma" panose="020B0604030504040204"/>
-              </a:rPr>
-              <a:t>o</a:t>
-            </a:r>
-            <a:r>
-              <a:rPr sz="3400" b="1" spc="-90" dirty="0">
-                <a:solidFill>
-                  <a:srgbClr val="F15B2A"/>
-                </a:solidFill>
-                <a:latin typeface="Tahoma" panose="020B0604030504040204"/>
-                <a:cs typeface="Tahoma" panose="020B0604030504040204"/>
-              </a:rPr>
-              <a:t>n</a:t>
+              <a:t>on</a:t>
             </a:r>
             <a:r>
               <a:rPr sz="3400" b="1" spc="-110" dirty="0">
@@ -12738,17 +12887,7 @@
                 <a:latin typeface="Tahoma" panose="020B0604030504040204"/>
                 <a:cs typeface="Tahoma" panose="020B0604030504040204"/>
               </a:rPr>
-              <a:t>l</a:t>
-            </a:r>
-            <a:r>
-              <a:rPr sz="3400" b="1" spc="-105" dirty="0">
-                <a:solidFill>
-                  <a:srgbClr val="F15B2A"/>
-                </a:solidFill>
-                <a:latin typeface="Tahoma" panose="020B0604030504040204"/>
-                <a:cs typeface="Tahoma" panose="020B0604030504040204"/>
-              </a:rPr>
-              <a:t>s</a:t>
+              <a:t>ls</a:t>
             </a:r>
             <a:r>
               <a:rPr sz="3400" b="1" spc="-55" dirty="0">
@@ -12910,9 +13049,11 @@
         <p:spPr/>
         <p:txBody>
           <a:bodyPr/>
+          <a:lstStyle/>
           <a:p>
             <a:fld id="{B6F15528-21DE-4FAA-801E-634DDDAF4B2B}" type="slidenum">
               <a:rPr/>
+              <a:t>5</a:t>
             </a:fld>
             <a:endParaRPr/>
           </a:p>
@@ -13335,7 +13476,7 @@
           <p:nvPr/>
         </p:nvPicPr>
         <p:blipFill>
-          <a:blip r:embed="rId1" cstate="print"/>
+          <a:blip r:embed="rId2" cstate="print"/>
           <a:stretch>
             <a:fillRect/>
           </a:stretch>
@@ -13357,7 +13498,7 @@
           <p:nvPr/>
         </p:nvPicPr>
         <p:blipFill>
-          <a:blip r:embed="rId1" cstate="print"/>
+          <a:blip r:embed="rId2" cstate="print"/>
           <a:stretch>
             <a:fillRect/>
           </a:stretch>
@@ -13379,7 +13520,7 @@
           <p:nvPr/>
         </p:nvPicPr>
         <p:blipFill>
-          <a:blip r:embed="rId1" cstate="print"/>
+          <a:blip r:embed="rId2" cstate="print"/>
           <a:stretch>
             <a:fillRect/>
           </a:stretch>
@@ -13407,9 +13548,11 @@
         <p:spPr/>
         <p:txBody>
           <a:bodyPr/>
+          <a:lstStyle/>
           <a:p>
             <a:fld id="{B6F15528-21DE-4FAA-801E-634DDDAF4B2B}" type="slidenum">
               <a:rPr/>
+              <a:t>6</a:t>
             </a:fld>
             <a:endParaRPr/>
           </a:p>
@@ -13447,7 +13590,7 @@
           <p:nvPr/>
         </p:nvPicPr>
         <p:blipFill>
-          <a:blip r:embed="rId1" cstate="print"/>
+          <a:blip r:embed="rId2" cstate="print"/>
           <a:stretch>
             <a:fillRect/>
           </a:stretch>
@@ -13499,9 +13642,9 @@
                 <a:latin typeface="Microsoft Sans Serif" panose="020B0604020202020204"/>
                 <a:cs typeface="Microsoft Sans Serif" panose="020B0604020202020204"/>
               </a:rPr>
-              <a:t>Assissted Practice</a:t>
-            </a:r>
-            <a:endParaRPr lang="en-US" sz="5400">
+              <a:t>Demo</a:t>
+            </a:r>
+            <a:endParaRPr lang="en-US" sz="5400" dirty="0">
               <a:latin typeface="Microsoft Sans Serif" panose="020B0604020202020204"/>
               <a:cs typeface="Microsoft Sans Serif" panose="020B0604020202020204"/>
             </a:endParaRPr>
@@ -13687,9 +13830,11 @@
         <p:spPr/>
         <p:txBody>
           <a:bodyPr/>
+          <a:lstStyle/>
           <a:p>
             <a:fld id="{B6F15528-21DE-4FAA-801E-634DDDAF4B2B}" type="slidenum">
               <a:rPr/>
+              <a:t>7</a:t>
             </a:fld>
             <a:endParaRPr/>
           </a:p>
@@ -13791,7 +13936,7 @@
         </p:nvGraphicFramePr>
         <p:xfrm>
           <a:off x="2127250" y="2750493"/>
-          <a:ext cx="14039850" cy="5820410"/>
+          <a:ext cx="14020800" cy="5807241"/>
         </p:xfrm>
         <a:graphic>
           <a:graphicData uri="http://schemas.openxmlformats.org/drawingml/2006/table">
@@ -13800,10 +13945,34 @@
                 <a:tableStyleId>{2D5ABB26-0587-4C30-8999-92F81FD0307C}</a:tableStyleId>
               </a:tblPr>
               <a:tblGrid>
-                <a:gridCol w="3505200"/>
-                <a:gridCol w="3505200"/>
-                <a:gridCol w="3505200"/>
-                <a:gridCol w="3505200"/>
+                <a:gridCol w="3505200">
+                  <a:extLst>
+                    <a:ext uri="{9D8B030D-6E8A-4147-A177-3AD203B41FA5}">
+                      <a16:colId xmlns:a16="http://schemas.microsoft.com/office/drawing/2014/main" val="20000"/>
+                    </a:ext>
+                  </a:extLst>
+                </a:gridCol>
+                <a:gridCol w="3505200">
+                  <a:extLst>
+                    <a:ext uri="{9D8B030D-6E8A-4147-A177-3AD203B41FA5}">
+                      <a16:colId xmlns:a16="http://schemas.microsoft.com/office/drawing/2014/main" val="20001"/>
+                    </a:ext>
+                  </a:extLst>
+                </a:gridCol>
+                <a:gridCol w="3505200">
+                  <a:extLst>
+                    <a:ext uri="{9D8B030D-6E8A-4147-A177-3AD203B41FA5}">
+                      <a16:colId xmlns:a16="http://schemas.microsoft.com/office/drawing/2014/main" val="20002"/>
+                    </a:ext>
+                  </a:extLst>
+                </a:gridCol>
+                <a:gridCol w="3505200">
+                  <a:extLst>
+                    <a:ext uri="{9D8B030D-6E8A-4147-A177-3AD203B41FA5}">
+                      <a16:colId xmlns:a16="http://schemas.microsoft.com/office/drawing/2014/main" val="20003"/>
+                    </a:ext>
+                  </a:extLst>
+                </a:gridCol>
               </a:tblGrid>
               <a:tr h="2572551">
                 <a:tc>
@@ -14135,17 +14304,7 @@
                           <a:latin typeface="Arial" panose="020B0604020202020204"/>
                           <a:cs typeface="Arial" panose="020B0604020202020204"/>
                         </a:rPr>
-                        <a:t>o</a:t>
-                      </a:r>
-                      <a:r>
-                        <a:rPr sz="2700" b="1" dirty="0">
-                          <a:solidFill>
-                            <a:srgbClr val="FFFFFF"/>
-                          </a:solidFill>
-                          <a:latin typeface="Arial" panose="020B0604020202020204"/>
-                          <a:cs typeface="Arial" panose="020B0604020202020204"/>
-                        </a:rPr>
-                        <a:t>r  </a:t>
+                        <a:t>or  </a:t>
                       </a:r>
                       <a:r>
                         <a:rPr sz="2700" b="1" spc="-80" dirty="0">
@@ -14384,17 +14543,7 @@
                           <a:latin typeface="Arial" panose="020B0604020202020204"/>
                           <a:cs typeface="Arial" panose="020B0604020202020204"/>
                         </a:rPr>
-                        <a:t>o</a:t>
-                      </a:r>
-                      <a:r>
-                        <a:rPr sz="2700" b="1" dirty="0">
-                          <a:solidFill>
-                            <a:srgbClr val="FFFFFF"/>
-                          </a:solidFill>
-                          <a:latin typeface="Arial" panose="020B0604020202020204"/>
-                          <a:cs typeface="Arial" panose="020B0604020202020204"/>
-                        </a:rPr>
-                        <a:t>r  </a:t>
+                        <a:t>or  </a:t>
                       </a:r>
                       <a:r>
                         <a:rPr sz="2700" b="1" spc="-10" dirty="0">
@@ -14424,17 +14573,7 @@
                           <a:latin typeface="Arial" panose="020B0604020202020204"/>
                           <a:cs typeface="Arial" panose="020B0604020202020204"/>
                         </a:rPr>
-                        <a:t>S</a:t>
-                      </a:r>
-                      <a:r>
-                        <a:rPr sz="2700" b="1" dirty="0">
-                          <a:solidFill>
-                            <a:srgbClr val="FFFFFF"/>
-                          </a:solidFill>
-                          <a:latin typeface="Arial" panose="020B0604020202020204"/>
-                          <a:cs typeface="Arial" panose="020B0604020202020204"/>
-                        </a:rPr>
-                        <a:t>E</a:t>
+                        <a:t>SE</a:t>
                       </a:r>
                       <a:r>
                         <a:rPr sz="2700" b="1" spc="-30" dirty="0">
@@ -14514,17 +14653,7 @@
                           <a:latin typeface="Arial" panose="020B0604020202020204"/>
                           <a:cs typeface="Arial" panose="020B0604020202020204"/>
                         </a:rPr>
-                        <a:t>T</a:t>
-                      </a:r>
-                      <a:r>
-                        <a:rPr sz="2700" b="1" dirty="0">
-                          <a:solidFill>
-                            <a:srgbClr val="FFFFFF"/>
-                          </a:solidFill>
-                          <a:latin typeface="Arial" panose="020B0604020202020204"/>
-                          <a:cs typeface="Arial" panose="020B0604020202020204"/>
-                        </a:rPr>
-                        <a:t>E</a:t>
+                        <a:t>TE</a:t>
                       </a:r>
                       <a:r>
                         <a:rPr sz="2700" b="1" spc="-5" dirty="0">
@@ -14544,17 +14673,7 @@
                           <a:latin typeface="Arial" panose="020B0604020202020204"/>
                           <a:cs typeface="Arial" panose="020B0604020202020204"/>
                         </a:rPr>
-                        <a:t>D</a:t>
-                      </a:r>
-                      <a:r>
-                        <a:rPr sz="2700" b="1" dirty="0">
-                          <a:solidFill>
-                            <a:srgbClr val="FFFFFF"/>
-                          </a:solidFill>
-                          <a:latin typeface="Arial" panose="020B0604020202020204"/>
-                          <a:cs typeface="Arial" panose="020B0604020202020204"/>
-                        </a:rPr>
-                        <a:t>E  </a:t>
+                        <a:t>DE  </a:t>
                       </a:r>
                       <a:r>
                         <a:rPr sz="2700" b="1" spc="-85" dirty="0">
@@ -14602,6 +14721,11 @@
                     </a:solidFill>
                   </a:tcPr>
                 </a:tc>
+                <a:extLst>
+                  <a:ext uri="{0D108BD9-81ED-4DB2-BD59-A6C34878D82A}">
+                    <a16:rowId xmlns:a16="http://schemas.microsoft.com/office/drawing/2014/main" val="10000"/>
+                  </a:ext>
+                </a:extLst>
               </a:tr>
               <a:tr h="1001821">
                 <a:tc>
@@ -14840,6 +14964,11 @@
                     </a:solidFill>
                   </a:tcPr>
                 </a:tc>
+                <a:extLst>
+                  <a:ext uri="{0D108BD9-81ED-4DB2-BD59-A6C34878D82A}">
+                    <a16:rowId xmlns:a16="http://schemas.microsoft.com/office/drawing/2014/main" val="10001"/>
+                  </a:ext>
+                </a:extLst>
               </a:tr>
               <a:tr h="878895">
                 <a:tc>
@@ -15078,6 +15207,11 @@
                     </a:solidFill>
                   </a:tcPr>
                 </a:tc>
+                <a:extLst>
+                  <a:ext uri="{0D108BD9-81ED-4DB2-BD59-A6C34878D82A}">
+                    <a16:rowId xmlns:a16="http://schemas.microsoft.com/office/drawing/2014/main" val="10002"/>
+                  </a:ext>
+                </a:extLst>
               </a:tr>
               <a:tr h="1353974">
                 <a:tc>
@@ -15376,6 +15510,11 @@
                     </a:solidFill>
                   </a:tcPr>
                 </a:tc>
+                <a:extLst>
+                  <a:ext uri="{0D108BD9-81ED-4DB2-BD59-A6C34878D82A}">
+                    <a16:rowId xmlns:a16="http://schemas.microsoft.com/office/drawing/2014/main" val="10003"/>
+                  </a:ext>
+                </a:extLst>
               </a:tr>
             </a:tbl>
           </a:graphicData>
@@ -15394,9 +15533,11 @@
         <p:spPr/>
         <p:txBody>
           <a:bodyPr/>
+          <a:lstStyle/>
           <a:p>
             <a:fld id="{B6F15528-21DE-4FAA-801E-634DDDAF4B2B}" type="slidenum">
               <a:rPr/>
+              <a:t>8</a:t>
             </a:fld>
             <a:endParaRPr/>
           </a:p>
@@ -15464,7 +15605,9 @@
         <p:txBody>
           <a:bodyPr wrap="square" lIns="0" tIns="0" rIns="0" bIns="0" rtlCol="0"/>
           <a:lstStyle/>
-          <a:p/>
+          <a:p>
+            <a:endParaRPr/>
+          </a:p>
         </p:txBody>
       </p:sp>
       <p:sp>
@@ -16912,9 +17055,11 @@
         <p:spPr/>
         <p:txBody>
           <a:bodyPr/>
+          <a:lstStyle/>
           <a:p>
             <a:fld id="{B6F15528-21DE-4FAA-801E-634DDDAF4B2B}" type="slidenum">
               <a:rPr/>
+              <a:t>9</a:t>
             </a:fld>
             <a:endParaRPr/>
           </a:p>
@@ -17206,6 +17351,8 @@
       </a:bgFillStyleLst>
     </a:fmtScheme>
   </a:themeElements>
+  <a:objectDefaults/>
+  <a:extraClrSchemeLst/>
   <a:extLst>
     <a:ext uri="{05A4C25C-085E-4340-85A3-A5531E510DB2}">
       <thm15:themeFamily xmlns:thm15="http://schemas.microsoft.com/office/thememl/2012/main" name="Office Theme" id="{62F939B6-93AF-4DB8-9C6B-D6C7DFDC589F}" vid="{4A3C46E8-61CC-4603-A589-7422A47A8E4A}"/>
@@ -17465,6 +17612,8 @@
       </a:bgFillStyleLst>
     </a:fmtScheme>
   </a:themeElements>
+  <a:objectDefaults/>
+  <a:extraClrSchemeLst/>
   <a:extLst>
     <a:ext uri="{05A4C25C-085E-4340-85A3-A5531E510DB2}">
       <thm15:themeFamily xmlns:thm15="http://schemas.microsoft.com/office/thememl/2012/main" name="Office Theme" id="{62F939B6-93AF-4DB8-9C6B-D6C7DFDC589F}" vid="{4A3C46E8-61CC-4603-A589-7422A47A8E4A}"/>
